--- a/Slides/Baseball 7/Baseball_7_Lecture.pptx
+++ b/Slides/Baseball 7/Baseball_7_Lecture.pptx
@@ -214,7 +214,7 @@
           <a:p>
             <a:fld id="{C04E5E84-956F-4423-97B3-5936A6D8EEEE}" type="datetimeFigureOut">
               <a:rPr lang="en-US" smtClean="0"/>
-              <a:t>9/17/2019</a:t>
+              <a:t>9/18/2020</a:t>
             </a:fld>
             <a:endParaRPr lang="en-US"/>
           </a:p>
@@ -628,7 +628,7 @@
           <a:p>
             <a:fld id="{3881C039-66A3-4640-815B-3B5A8B7D868D}" type="datetimeFigureOut">
               <a:rPr lang="en-US" smtClean="0"/>
-              <a:t>9/17/2019</a:t>
+              <a:t>9/18/2020</a:t>
             </a:fld>
             <a:endParaRPr lang="en-US"/>
           </a:p>
@@ -826,7 +826,7 @@
           <a:p>
             <a:fld id="{3881C039-66A3-4640-815B-3B5A8B7D868D}" type="datetimeFigureOut">
               <a:rPr lang="en-US" smtClean="0"/>
-              <a:t>9/17/2019</a:t>
+              <a:t>9/18/2020</a:t>
             </a:fld>
             <a:endParaRPr lang="en-US"/>
           </a:p>
@@ -1034,7 +1034,7 @@
           <a:p>
             <a:fld id="{3881C039-66A3-4640-815B-3B5A8B7D868D}" type="datetimeFigureOut">
               <a:rPr lang="en-US" smtClean="0"/>
-              <a:t>9/17/2019</a:t>
+              <a:t>9/18/2020</a:t>
             </a:fld>
             <a:endParaRPr lang="en-US"/>
           </a:p>
@@ -1232,7 +1232,7 @@
           <a:p>
             <a:fld id="{3881C039-66A3-4640-815B-3B5A8B7D868D}" type="datetimeFigureOut">
               <a:rPr lang="en-US" smtClean="0"/>
-              <a:t>9/17/2019</a:t>
+              <a:t>9/18/2020</a:t>
             </a:fld>
             <a:endParaRPr lang="en-US"/>
           </a:p>
@@ -1507,7 +1507,7 @@
           <a:p>
             <a:fld id="{3881C039-66A3-4640-815B-3B5A8B7D868D}" type="datetimeFigureOut">
               <a:rPr lang="en-US" smtClean="0"/>
-              <a:t>9/17/2019</a:t>
+              <a:t>9/18/2020</a:t>
             </a:fld>
             <a:endParaRPr lang="en-US"/>
           </a:p>
@@ -1772,7 +1772,7 @@
           <a:p>
             <a:fld id="{3881C039-66A3-4640-815B-3B5A8B7D868D}" type="datetimeFigureOut">
               <a:rPr lang="en-US" smtClean="0"/>
-              <a:t>9/17/2019</a:t>
+              <a:t>9/18/2020</a:t>
             </a:fld>
             <a:endParaRPr lang="en-US"/>
           </a:p>
@@ -2184,7 +2184,7 @@
           <a:p>
             <a:fld id="{3881C039-66A3-4640-815B-3B5A8B7D868D}" type="datetimeFigureOut">
               <a:rPr lang="en-US" smtClean="0"/>
-              <a:t>9/17/2019</a:t>
+              <a:t>9/18/2020</a:t>
             </a:fld>
             <a:endParaRPr lang="en-US"/>
           </a:p>
@@ -2325,7 +2325,7 @@
           <a:p>
             <a:fld id="{3881C039-66A3-4640-815B-3B5A8B7D868D}" type="datetimeFigureOut">
               <a:rPr lang="en-US" smtClean="0"/>
-              <a:t>9/17/2019</a:t>
+              <a:t>9/18/2020</a:t>
             </a:fld>
             <a:endParaRPr lang="en-US"/>
           </a:p>
@@ -2438,7 +2438,7 @@
           <a:p>
             <a:fld id="{3881C039-66A3-4640-815B-3B5A8B7D868D}" type="datetimeFigureOut">
               <a:rPr lang="en-US" smtClean="0"/>
-              <a:t>9/17/2019</a:t>
+              <a:t>9/18/2020</a:t>
             </a:fld>
             <a:endParaRPr lang="en-US"/>
           </a:p>
@@ -2749,7 +2749,7 @@
           <a:p>
             <a:fld id="{3881C039-66A3-4640-815B-3B5A8B7D868D}" type="datetimeFigureOut">
               <a:rPr lang="en-US" smtClean="0"/>
-              <a:t>9/17/2019</a:t>
+              <a:t>9/18/2020</a:t>
             </a:fld>
             <a:endParaRPr lang="en-US"/>
           </a:p>
@@ -3037,7 +3037,7 @@
           <a:p>
             <a:fld id="{3881C039-66A3-4640-815B-3B5A8B7D868D}" type="datetimeFigureOut">
               <a:rPr lang="en-US" smtClean="0"/>
-              <a:t>9/17/2019</a:t>
+              <a:t>9/18/2020</a:t>
             </a:fld>
             <a:endParaRPr lang="en-US"/>
           </a:p>
@@ -3281,7 +3281,7 @@
           <a:p>
             <a:fld id="{3881C039-66A3-4640-815B-3B5A8B7D868D}" type="datetimeFigureOut">
               <a:rPr lang="en-US" smtClean="0"/>
-              <a:t>9/17/2019</a:t>
+              <a:t>9/18/2020</a:t>
             </a:fld>
             <a:endParaRPr lang="en-US"/>
           </a:p>
@@ -5062,8 +5062,8 @@
           </a:p>
         </p:txBody>
       </p:sp>
-      <mc:AlternateContent xmlns:mc="http://schemas.openxmlformats.org/markup-compatibility/2006">
-        <mc:Choice xmlns:a14="http://schemas.microsoft.com/office/drawing/2010/main" Requires="a14">
+      <mc:AlternateContent xmlns:mc="http://schemas.openxmlformats.org/markup-compatibility/2006" xmlns:a14="http://schemas.microsoft.com/office/drawing/2010/main">
+        <mc:Choice Requires="a14">
           <p:sp>
             <p:nvSpPr>
               <p:cNvPr id="13" name="TextBox 12">
@@ -5257,7 +5257,7 @@
             </p:txBody>
           </p:sp>
         </mc:Choice>
-        <mc:Fallback>
+        <mc:Fallback xmlns="">
           <p:sp>
             <p:nvSpPr>
               <p:cNvPr id="13" name="TextBox 12">
@@ -5302,8 +5302,8 @@
           </p:sp>
         </mc:Fallback>
       </mc:AlternateContent>
-      <mc:AlternateContent xmlns:mc="http://schemas.openxmlformats.org/markup-compatibility/2006">
-        <mc:Choice xmlns:a14="http://schemas.microsoft.com/office/drawing/2010/main" Requires="a14">
+      <mc:AlternateContent xmlns:mc="http://schemas.openxmlformats.org/markup-compatibility/2006" xmlns:a14="http://schemas.microsoft.com/office/drawing/2010/main">
+        <mc:Choice Requires="a14">
           <p:sp>
             <p:nvSpPr>
               <p:cNvPr id="2" name="TextBox 1">
@@ -5332,6 +5332,7 @@
               </a:bodyPr>
               <a:lstStyle/>
               <a:p>
+                <a:pPr/>
                 <a14:m>
                   <m:oMathPara xmlns:m="http://schemas.openxmlformats.org/officeDocument/2006/math">
                     <m:oMathParaPr>
@@ -5523,7 +5524,7 @@
             </p:txBody>
           </p:sp>
         </mc:Choice>
-        <mc:Fallback>
+        <mc:Fallback xmlns="">
           <p:sp>
             <p:nvSpPr>
               <p:cNvPr id="2" name="TextBox 1">
@@ -5568,8 +5569,8 @@
           </p:sp>
         </mc:Fallback>
       </mc:AlternateContent>
-      <mc:AlternateContent xmlns:mc="http://schemas.openxmlformats.org/markup-compatibility/2006">
-        <mc:Choice xmlns:a14="http://schemas.microsoft.com/office/drawing/2010/main" Requires="a14">
+      <mc:AlternateContent xmlns:mc="http://schemas.openxmlformats.org/markup-compatibility/2006" xmlns:a14="http://schemas.microsoft.com/office/drawing/2010/main">
+        <mc:Choice Requires="a14">
           <p:sp>
             <p:nvSpPr>
               <p:cNvPr id="12" name="TextBox 11">
@@ -5598,6 +5599,7 @@
               </a:bodyPr>
               <a:lstStyle/>
               <a:p>
+                <a:pPr/>
                 <a14:m>
                   <m:oMathPara xmlns:m="http://schemas.openxmlformats.org/officeDocument/2006/math">
                     <m:oMathParaPr>
@@ -5664,7 +5666,7 @@
             </p:txBody>
           </p:sp>
         </mc:Choice>
-        <mc:Fallback>
+        <mc:Fallback xmlns="">
           <p:sp>
             <p:nvSpPr>
               <p:cNvPr id="12" name="TextBox 11">
@@ -5709,8 +5711,8 @@
           </p:sp>
         </mc:Fallback>
       </mc:AlternateContent>
-      <mc:AlternateContent xmlns:mc="http://schemas.openxmlformats.org/markup-compatibility/2006">
-        <mc:Choice xmlns:a14="http://schemas.microsoft.com/office/drawing/2010/main" Requires="a14">
+      <mc:AlternateContent xmlns:mc="http://schemas.openxmlformats.org/markup-compatibility/2006" xmlns:a14="http://schemas.microsoft.com/office/drawing/2010/main">
+        <mc:Choice Requires="a14">
           <p:sp>
             <p:nvSpPr>
               <p:cNvPr id="14" name="TextBox 13">
@@ -5739,6 +5741,7 @@
               </a:bodyPr>
               <a:lstStyle/>
               <a:p>
+                <a:pPr/>
                 <a14:m>
                   <m:oMathPara xmlns:m="http://schemas.openxmlformats.org/officeDocument/2006/math">
                     <m:oMathParaPr>
@@ -5821,7 +5824,7 @@
             </p:txBody>
           </p:sp>
         </mc:Choice>
-        <mc:Fallback>
+        <mc:Fallback xmlns="">
           <p:sp>
             <p:nvSpPr>
               <p:cNvPr id="14" name="TextBox 13">
@@ -5951,8 +5954,8 @@
           </a:p>
         </p:txBody>
       </p:sp>
-      <mc:AlternateContent xmlns:mc="http://schemas.openxmlformats.org/markup-compatibility/2006">
-        <mc:Choice xmlns:a14="http://schemas.microsoft.com/office/drawing/2010/main" Requires="a14">
+      <mc:AlternateContent xmlns:mc="http://schemas.openxmlformats.org/markup-compatibility/2006" xmlns:a14="http://schemas.microsoft.com/office/drawing/2010/main">
+        <mc:Choice Requires="a14">
           <p:sp>
             <p:nvSpPr>
               <p:cNvPr id="5" name="TextBox 4">
@@ -5981,6 +5984,7 @@
               </a:bodyPr>
               <a:lstStyle/>
               <a:p>
+                <a:pPr/>
                 <a14:m>
                   <m:oMathPara xmlns:m="http://schemas.openxmlformats.org/officeDocument/2006/math">
                     <m:oMathParaPr>
@@ -6049,7 +6053,7 @@
             </p:txBody>
           </p:sp>
         </mc:Choice>
-        <mc:Fallback>
+        <mc:Fallback xmlns="">
           <p:sp>
             <p:nvSpPr>
               <p:cNvPr id="5" name="TextBox 4">
@@ -6526,8 +6530,8 @@
           </a:p>
         </p:txBody>
       </p:sp>
-      <mc:AlternateContent xmlns:mc="http://schemas.openxmlformats.org/markup-compatibility/2006">
-        <mc:Choice xmlns:a14="http://schemas.microsoft.com/office/drawing/2010/main" Requires="a14">
+      <mc:AlternateContent xmlns:mc="http://schemas.openxmlformats.org/markup-compatibility/2006" xmlns:a14="http://schemas.microsoft.com/office/drawing/2010/main">
+        <mc:Choice Requires="a14">
           <p:sp>
             <p:nvSpPr>
               <p:cNvPr id="13" name="TextBox 12">
@@ -6906,7 +6910,7 @@
             </p:txBody>
           </p:sp>
         </mc:Choice>
-        <mc:Fallback>
+        <mc:Fallback xmlns="">
           <p:sp>
             <p:nvSpPr>
               <p:cNvPr id="13" name="TextBox 12">
@@ -6951,8 +6955,8 @@
           </p:sp>
         </mc:Fallback>
       </mc:AlternateContent>
-      <mc:AlternateContent xmlns:mc="http://schemas.openxmlformats.org/markup-compatibility/2006">
-        <mc:Choice xmlns:a14="http://schemas.microsoft.com/office/drawing/2010/main" Requires="a14">
+      <mc:AlternateContent xmlns:mc="http://schemas.openxmlformats.org/markup-compatibility/2006" xmlns:a14="http://schemas.microsoft.com/office/drawing/2010/main">
+        <mc:Choice Requires="a14">
           <p:sp>
             <p:nvSpPr>
               <p:cNvPr id="12" name="TextBox 11">
@@ -6981,6 +6985,7 @@
               </a:bodyPr>
               <a:lstStyle/>
               <a:p>
+                <a:pPr/>
                 <a14:m>
                   <m:oMathPara xmlns:m="http://schemas.openxmlformats.org/officeDocument/2006/math">
                     <m:oMathParaPr>
@@ -7135,7 +7140,7 @@
             </p:txBody>
           </p:sp>
         </mc:Choice>
-        <mc:Fallback>
+        <mc:Fallback xmlns="">
           <p:sp>
             <p:nvSpPr>
               <p:cNvPr id="12" name="TextBox 11">
@@ -7180,8 +7185,8 @@
           </p:sp>
         </mc:Fallback>
       </mc:AlternateContent>
-      <mc:AlternateContent xmlns:mc="http://schemas.openxmlformats.org/markup-compatibility/2006">
-        <mc:Choice xmlns:a14="http://schemas.microsoft.com/office/drawing/2010/main" Requires="a14">
+      <mc:AlternateContent xmlns:mc="http://schemas.openxmlformats.org/markup-compatibility/2006" xmlns:a14="http://schemas.microsoft.com/office/drawing/2010/main">
+        <mc:Choice Requires="a14">
           <p:sp>
             <p:nvSpPr>
               <p:cNvPr id="14" name="TextBox 13">
@@ -7210,6 +7215,7 @@
               </a:bodyPr>
               <a:lstStyle/>
               <a:p>
+                <a:pPr/>
                 <a14:m>
                   <m:oMathPara xmlns:m="http://schemas.openxmlformats.org/officeDocument/2006/math">
                     <m:oMathParaPr>
@@ -7466,7 +7472,7 @@
             </p:txBody>
           </p:sp>
         </mc:Choice>
-        <mc:Fallback>
+        <mc:Fallback xmlns="">
           <p:sp>
             <p:nvSpPr>
               <p:cNvPr id="14" name="TextBox 13">
@@ -7511,8 +7517,8 @@
           </p:sp>
         </mc:Fallback>
       </mc:AlternateContent>
-      <mc:AlternateContent xmlns:mc="http://schemas.openxmlformats.org/markup-compatibility/2006">
-        <mc:Choice xmlns:a14="http://schemas.microsoft.com/office/drawing/2010/main" Requires="a14">
+      <mc:AlternateContent xmlns:mc="http://schemas.openxmlformats.org/markup-compatibility/2006" xmlns:a14="http://schemas.microsoft.com/office/drawing/2010/main">
+        <mc:Choice Requires="a14">
           <p:sp>
             <p:nvSpPr>
               <p:cNvPr id="15" name="TextBox 14">
@@ -7541,6 +7547,7 @@
               </a:bodyPr>
               <a:lstStyle/>
               <a:p>
+                <a:pPr/>
                 <a14:m>
                   <m:oMathPara xmlns:m="http://schemas.openxmlformats.org/officeDocument/2006/math">
                     <m:oMathParaPr>
@@ -7659,7 +7666,7 @@
             </p:txBody>
           </p:sp>
         </mc:Choice>
-        <mc:Fallback>
+        <mc:Fallback xmlns="">
           <p:sp>
             <p:nvSpPr>
               <p:cNvPr id="15" name="TextBox 14">
@@ -8404,8 +8411,8 @@
           </a:p>
         </p:txBody>
       </p:sp>
-      <mc:AlternateContent xmlns:mc="http://schemas.openxmlformats.org/markup-compatibility/2006">
-        <mc:Choice xmlns:a14="http://schemas.microsoft.com/office/drawing/2010/main" Requires="a14">
+      <mc:AlternateContent xmlns:mc="http://schemas.openxmlformats.org/markup-compatibility/2006" xmlns:a14="http://schemas.microsoft.com/office/drawing/2010/main">
+        <mc:Choice Requires="a14">
           <p:sp>
             <p:nvSpPr>
               <p:cNvPr id="12" name="TextBox 11">
@@ -8434,6 +8441,7 @@
               </a:bodyPr>
               <a:lstStyle/>
               <a:p>
+                <a:pPr/>
                 <a14:m>
                   <m:oMathPara xmlns:m="http://schemas.openxmlformats.org/officeDocument/2006/math">
                     <m:oMathParaPr>
@@ -8555,7 +8563,7 @@
             </p:txBody>
           </p:sp>
         </mc:Choice>
-        <mc:Fallback>
+        <mc:Fallback xmlns="">
           <p:sp>
             <p:nvSpPr>
               <p:cNvPr id="12" name="TextBox 11">
@@ -8600,8 +8608,8 @@
           </p:sp>
         </mc:Fallback>
       </mc:AlternateContent>
-      <mc:AlternateContent xmlns:mc="http://schemas.openxmlformats.org/markup-compatibility/2006">
-        <mc:Choice xmlns:a14="http://schemas.microsoft.com/office/drawing/2010/main" Requires="a14">
+      <mc:AlternateContent xmlns:mc="http://schemas.openxmlformats.org/markup-compatibility/2006" xmlns:a14="http://schemas.microsoft.com/office/drawing/2010/main">
+        <mc:Choice Requires="a14">
           <p:sp>
             <p:nvSpPr>
               <p:cNvPr id="14" name="TextBox 13">
@@ -8630,6 +8638,7 @@
               </a:bodyPr>
               <a:lstStyle/>
               <a:p>
+                <a:pPr/>
                 <a14:m>
                   <m:oMathPara xmlns:m="http://schemas.openxmlformats.org/officeDocument/2006/math">
                     <m:oMathParaPr>
@@ -8751,7 +8760,7 @@
             </p:txBody>
           </p:sp>
         </mc:Choice>
-        <mc:Fallback>
+        <mc:Fallback xmlns="">
           <p:sp>
             <p:nvSpPr>
               <p:cNvPr id="14" name="TextBox 13">
@@ -8796,8 +8805,8 @@
           </p:sp>
         </mc:Fallback>
       </mc:AlternateContent>
-      <mc:AlternateContent xmlns:mc="http://schemas.openxmlformats.org/markup-compatibility/2006">
-        <mc:Choice xmlns:a14="http://schemas.microsoft.com/office/drawing/2010/main" Requires="a14">
+      <mc:AlternateContent xmlns:mc="http://schemas.openxmlformats.org/markup-compatibility/2006" xmlns:a14="http://schemas.microsoft.com/office/drawing/2010/main">
+        <mc:Choice Requires="a14">
           <p:sp>
             <p:nvSpPr>
               <p:cNvPr id="15" name="TextBox 14">
@@ -8826,6 +8835,7 @@
               </a:bodyPr>
               <a:lstStyle/>
               <a:p>
+                <a:pPr/>
                 <a14:m>
                   <m:oMathPara xmlns:m="http://schemas.openxmlformats.org/officeDocument/2006/math">
                     <m:oMathParaPr>
@@ -9040,7 +9050,7 @@
             </p:txBody>
           </p:sp>
         </mc:Choice>
-        <mc:Fallback>
+        <mc:Fallback xmlns="">
           <p:sp>
             <p:nvSpPr>
               <p:cNvPr id="15" name="TextBox 14">
@@ -9732,8 +9742,8 @@
           </a:p>
         </p:txBody>
       </p:sp>
-      <mc:AlternateContent xmlns:mc="http://schemas.openxmlformats.org/markup-compatibility/2006">
-        <mc:Choice xmlns:a14="http://schemas.microsoft.com/office/drawing/2010/main" Requires="a14">
+      <mc:AlternateContent xmlns:mc="http://schemas.openxmlformats.org/markup-compatibility/2006" xmlns:a14="http://schemas.microsoft.com/office/drawing/2010/main">
+        <mc:Choice Requires="a14">
           <p:sp>
             <p:nvSpPr>
               <p:cNvPr id="18" name="TextBox 17">
@@ -9762,6 +9772,7 @@
               </a:bodyPr>
               <a:lstStyle/>
               <a:p>
+                <a:pPr/>
                 <a14:m>
                   <m:oMathPara xmlns:m="http://schemas.openxmlformats.org/officeDocument/2006/math">
                     <m:oMathParaPr>
@@ -9794,7 +9805,7 @@
             </p:txBody>
           </p:sp>
         </mc:Choice>
-        <mc:Fallback>
+        <mc:Fallback xmlns="">
           <p:sp>
             <p:nvSpPr>
               <p:cNvPr id="18" name="TextBox 17">
@@ -9839,8 +9850,8 @@
           </p:sp>
         </mc:Fallback>
       </mc:AlternateContent>
-      <mc:AlternateContent xmlns:mc="http://schemas.openxmlformats.org/markup-compatibility/2006">
-        <mc:Choice xmlns:a14="http://schemas.microsoft.com/office/drawing/2010/main" Requires="a14">
+      <mc:AlternateContent xmlns:mc="http://schemas.openxmlformats.org/markup-compatibility/2006" xmlns:a14="http://schemas.microsoft.com/office/drawing/2010/main">
+        <mc:Choice Requires="a14">
           <p:sp>
             <p:nvSpPr>
               <p:cNvPr id="19" name="TextBox 18">
@@ -9869,6 +9880,7 @@
               </a:bodyPr>
               <a:lstStyle/>
               <a:p>
+                <a:pPr/>
                 <a14:m>
                   <m:oMathPara xmlns:m="http://schemas.openxmlformats.org/officeDocument/2006/math">
                     <m:oMathParaPr>
@@ -10071,7 +10083,7 @@
             </p:txBody>
           </p:sp>
         </mc:Choice>
-        <mc:Fallback>
+        <mc:Fallback xmlns="">
           <p:sp>
             <p:nvSpPr>
               <p:cNvPr id="19" name="TextBox 18">
@@ -10116,8 +10128,8 @@
           </p:sp>
         </mc:Fallback>
       </mc:AlternateContent>
-      <mc:AlternateContent xmlns:mc="http://schemas.openxmlformats.org/markup-compatibility/2006">
-        <mc:Choice xmlns:a14="http://schemas.microsoft.com/office/drawing/2010/main" Requires="a14">
+      <mc:AlternateContent xmlns:mc="http://schemas.openxmlformats.org/markup-compatibility/2006" xmlns:a14="http://schemas.microsoft.com/office/drawing/2010/main">
+        <mc:Choice Requires="a14">
           <p:sp>
             <p:nvSpPr>
               <p:cNvPr id="20" name="TextBox 19">
@@ -10146,6 +10158,7 @@
               </a:bodyPr>
               <a:lstStyle/>
               <a:p>
+                <a:pPr/>
                 <a14:m>
                   <m:oMathPara xmlns:m="http://schemas.openxmlformats.org/officeDocument/2006/math">
                     <m:oMathParaPr>
@@ -10178,7 +10191,7 @@
             </p:txBody>
           </p:sp>
         </mc:Choice>
-        <mc:Fallback>
+        <mc:Fallback xmlns="">
           <p:sp>
             <p:nvSpPr>
               <p:cNvPr id="20" name="TextBox 19">
@@ -10253,6 +10266,7 @@
               </a:bodyPr>
               <a:lstStyle/>
               <a:p>
+                <a:pPr/>
                 <a14:m>
                   <m:oMathPara xmlns:m="http://schemas.openxmlformats.org/officeDocument/2006/math">
                     <m:oMathParaPr>
@@ -10310,7 +10324,7 @@
                           </a:solidFill>
                           <a:latin typeface="Cambria Math" panose="02040503050406030204" pitchFamily="18" charset="0"/>
                         </a:rPr>
-                        <m:t>=0.00027%</m:t>
+                        <m:t>=0.00027</m:t>
                       </m:r>
                     </m:oMath>
                   </m:oMathPara>
@@ -11098,8 +11112,8 @@
           </a:ln>
         </p:spPr>
       </p:pic>
-      <mc:AlternateContent xmlns:mc="http://schemas.openxmlformats.org/markup-compatibility/2006">
-        <mc:Choice xmlns:a14="http://schemas.microsoft.com/office/drawing/2010/main" Requires="a14">
+      <mc:AlternateContent xmlns:mc="http://schemas.openxmlformats.org/markup-compatibility/2006" xmlns:a14="http://schemas.microsoft.com/office/drawing/2010/main">
+        <mc:Choice Requires="a14">
           <p:sp>
             <p:nvSpPr>
               <p:cNvPr id="22" name="TextBox 21">
@@ -11128,6 +11142,7 @@
               </a:bodyPr>
               <a:lstStyle/>
               <a:p>
+                <a:pPr/>
                 <a14:m>
                   <m:oMathPara xmlns:m="http://schemas.openxmlformats.org/officeDocument/2006/math">
                     <m:oMathParaPr>
@@ -11391,7 +11406,7 @@
             </p:txBody>
           </p:sp>
         </mc:Choice>
-        <mc:Fallback>
+        <mc:Fallback xmlns="">
           <p:sp>
             <p:nvSpPr>
               <p:cNvPr id="22" name="TextBox 21">
@@ -11436,8 +11451,8 @@
           </p:sp>
         </mc:Fallback>
       </mc:AlternateContent>
-      <mc:AlternateContent xmlns:mc="http://schemas.openxmlformats.org/markup-compatibility/2006">
-        <mc:Choice xmlns:a14="http://schemas.microsoft.com/office/drawing/2010/main" Requires="a14">
+      <mc:AlternateContent xmlns:mc="http://schemas.openxmlformats.org/markup-compatibility/2006" xmlns:a14="http://schemas.microsoft.com/office/drawing/2010/main">
+        <mc:Choice Requires="a14">
           <p:sp>
             <p:nvSpPr>
               <p:cNvPr id="24" name="TextBox 23">
@@ -11466,6 +11481,7 @@
               </a:bodyPr>
               <a:lstStyle/>
               <a:p>
+                <a:pPr/>
                 <a14:m>
                   <m:oMathPara xmlns:m="http://schemas.openxmlformats.org/officeDocument/2006/math">
                     <m:oMathParaPr>
@@ -11697,7 +11713,7 @@
             </p:txBody>
           </p:sp>
         </mc:Choice>
-        <mc:Fallback>
+        <mc:Fallback xmlns="">
           <p:sp>
             <p:nvSpPr>
               <p:cNvPr id="24" name="TextBox 23">
@@ -12377,8 +12393,8 @@
           </a:p>
         </p:txBody>
       </p:sp>
-      <mc:AlternateContent xmlns:mc="http://schemas.openxmlformats.org/markup-compatibility/2006">
-        <mc:Choice xmlns:a14="http://schemas.microsoft.com/office/drawing/2010/main" Requires="a14">
+      <mc:AlternateContent xmlns:mc="http://schemas.openxmlformats.org/markup-compatibility/2006" xmlns:a14="http://schemas.microsoft.com/office/drawing/2010/main">
+        <mc:Choice Requires="a14">
           <p:sp>
             <p:nvSpPr>
               <p:cNvPr id="18" name="TextBox 17">
@@ -12407,6 +12423,7 @@
               </a:bodyPr>
               <a:lstStyle/>
               <a:p>
+                <a:pPr/>
                 <a14:m>
                   <m:oMathPara xmlns:m="http://schemas.openxmlformats.org/officeDocument/2006/math">
                     <m:oMathParaPr>
@@ -12462,7 +12479,7 @@
             </p:txBody>
           </p:sp>
         </mc:Choice>
-        <mc:Fallback>
+        <mc:Fallback xmlns="">
           <p:sp>
             <p:nvSpPr>
               <p:cNvPr id="18" name="TextBox 17">
@@ -16760,8 +16777,8 @@
           </a:p>
         </p:txBody>
       </p:sp>
-      <mc:AlternateContent xmlns:mc="http://schemas.openxmlformats.org/markup-compatibility/2006">
-        <mc:Choice xmlns:a14="http://schemas.microsoft.com/office/drawing/2010/main" Requires="a14">
+      <mc:AlternateContent xmlns:mc="http://schemas.openxmlformats.org/markup-compatibility/2006" xmlns:a14="http://schemas.microsoft.com/office/drawing/2010/main">
+        <mc:Choice Requires="a14">
           <p:sp>
             <p:nvSpPr>
               <p:cNvPr id="10" name="TextBox 9">
@@ -17088,7 +17105,7 @@
             </p:txBody>
           </p:sp>
         </mc:Choice>
-        <mc:Fallback>
+        <mc:Fallback xmlns="">
           <p:sp>
             <p:nvSpPr>
               <p:cNvPr id="10" name="TextBox 9">
@@ -17133,8 +17150,8 @@
           </p:sp>
         </mc:Fallback>
       </mc:AlternateContent>
-      <mc:AlternateContent xmlns:mc="http://schemas.openxmlformats.org/markup-compatibility/2006">
-        <mc:Choice xmlns:a14="http://schemas.microsoft.com/office/drawing/2010/main" Requires="a14">
+      <mc:AlternateContent xmlns:mc="http://schemas.openxmlformats.org/markup-compatibility/2006" xmlns:a14="http://schemas.microsoft.com/office/drawing/2010/main">
+        <mc:Choice Requires="a14">
           <p:sp>
             <p:nvSpPr>
               <p:cNvPr id="11" name="TextBox 10">
@@ -17163,6 +17180,7 @@
               </a:bodyPr>
               <a:lstStyle/>
               <a:p>
+                <a:pPr/>
                 <a14:m>
                   <m:oMathPara xmlns:m="http://schemas.openxmlformats.org/officeDocument/2006/math">
                     <m:oMathParaPr>
@@ -17315,7 +17333,7 @@
             </p:txBody>
           </p:sp>
         </mc:Choice>
-        <mc:Fallback>
+        <mc:Fallback xmlns="">
           <p:sp>
             <p:nvSpPr>
               <p:cNvPr id="11" name="TextBox 10">
@@ -17360,8 +17378,8 @@
           </p:sp>
         </mc:Fallback>
       </mc:AlternateContent>
-      <mc:AlternateContent xmlns:mc="http://schemas.openxmlformats.org/markup-compatibility/2006">
-        <mc:Choice xmlns:a14="http://schemas.microsoft.com/office/drawing/2010/main" Requires="a14">
+      <mc:AlternateContent xmlns:mc="http://schemas.openxmlformats.org/markup-compatibility/2006" xmlns:a14="http://schemas.microsoft.com/office/drawing/2010/main">
+        <mc:Choice Requires="a14">
           <p:sp>
             <p:nvSpPr>
               <p:cNvPr id="12" name="TextBox 11">
@@ -17390,6 +17408,7 @@
               </a:bodyPr>
               <a:lstStyle/>
               <a:p>
+                <a:pPr/>
                 <a14:m>
                   <m:oMathPara xmlns:m="http://schemas.openxmlformats.org/officeDocument/2006/math">
                     <m:oMathParaPr>
@@ -17585,7 +17604,7 @@
             </p:txBody>
           </p:sp>
         </mc:Choice>
-        <mc:Fallback>
+        <mc:Fallback xmlns="">
           <p:sp>
             <p:nvSpPr>
               <p:cNvPr id="12" name="TextBox 11">
@@ -17630,8 +17649,8 @@
           </p:sp>
         </mc:Fallback>
       </mc:AlternateContent>
-      <mc:AlternateContent xmlns:mc="http://schemas.openxmlformats.org/markup-compatibility/2006">
-        <mc:Choice xmlns:a14="http://schemas.microsoft.com/office/drawing/2010/main" Requires="a14">
+      <mc:AlternateContent xmlns:mc="http://schemas.openxmlformats.org/markup-compatibility/2006" xmlns:a14="http://schemas.microsoft.com/office/drawing/2010/main">
+        <mc:Choice Requires="a14">
           <p:sp>
             <p:nvSpPr>
               <p:cNvPr id="13" name="TextBox 12">
@@ -17660,6 +17679,7 @@
               </a:bodyPr>
               <a:lstStyle/>
               <a:p>
+                <a:pPr/>
                 <a14:m>
                   <m:oMathPara xmlns:m="http://schemas.openxmlformats.org/officeDocument/2006/math">
                     <m:oMathParaPr>
@@ -17767,7 +17787,7 @@
             </p:txBody>
           </p:sp>
         </mc:Choice>
-        <mc:Fallback>
+        <mc:Fallback xmlns="">
           <p:sp>
             <p:nvSpPr>
               <p:cNvPr id="13" name="TextBox 12">
@@ -17812,8 +17832,8 @@
           </p:sp>
         </mc:Fallback>
       </mc:AlternateContent>
-      <mc:AlternateContent xmlns:mc="http://schemas.openxmlformats.org/markup-compatibility/2006">
-        <mc:Choice xmlns:a14="http://schemas.microsoft.com/office/drawing/2010/main" Requires="a14">
+      <mc:AlternateContent xmlns:mc="http://schemas.openxmlformats.org/markup-compatibility/2006" xmlns:a14="http://schemas.microsoft.com/office/drawing/2010/main">
+        <mc:Choice Requires="a14">
           <p:sp>
             <p:nvSpPr>
               <p:cNvPr id="14" name="TextBox 13">
@@ -17842,6 +17862,7 @@
               </a:bodyPr>
               <a:lstStyle/>
               <a:p>
+                <a:pPr/>
                 <a14:m>
                   <m:oMathPara xmlns:m="http://schemas.openxmlformats.org/officeDocument/2006/math">
                     <m:oMathParaPr>
@@ -17910,16 +17931,7 @@
                               </a:solidFill>
                               <a:latin typeface="Cambria Math" panose="02040503050406030204" pitchFamily="18" charset="0"/>
                             </a:rPr>
-                            <m:t>10</m:t>
-                          </m:r>
-                          <m:r>
-                            <a:rPr lang="en-US" sz="2400" b="0" i="1" smtClean="0">
-                              <a:solidFill>
-                                <a:schemeClr val="bg1"/>
-                              </a:solidFill>
-                              <a:latin typeface="Cambria Math" panose="02040503050406030204" pitchFamily="18" charset="0"/>
-                            </a:rPr>
-                            <m:t>−6</m:t>
+                            <m:t>10−6</m:t>
                           </m:r>
                         </m:num>
                         <m:den>
@@ -17958,7 +17970,7 @@
             </p:txBody>
           </p:sp>
         </mc:Choice>
-        <mc:Fallback>
+        <mc:Fallback xmlns="">
           <p:sp>
             <p:nvSpPr>
               <p:cNvPr id="14" name="TextBox 13">
@@ -18394,8 +18406,8 @@
           </a:p>
         </p:txBody>
       </p:sp>
-      <mc:AlternateContent xmlns:mc="http://schemas.openxmlformats.org/markup-compatibility/2006">
-        <mc:Choice xmlns:a14="http://schemas.microsoft.com/office/drawing/2010/main" Requires="a14">
+      <mc:AlternateContent xmlns:mc="http://schemas.openxmlformats.org/markup-compatibility/2006" xmlns:a14="http://schemas.microsoft.com/office/drawing/2010/main">
+        <mc:Choice Requires="a14">
           <p:sp>
             <p:nvSpPr>
               <p:cNvPr id="10" name="TextBox 9">
@@ -18718,7 +18730,7 @@
             </p:txBody>
           </p:sp>
         </mc:Choice>
-        <mc:Fallback>
+        <mc:Fallback xmlns="">
           <p:sp>
             <p:nvSpPr>
               <p:cNvPr id="10" name="TextBox 9">

--- a/Slides/Baseball 7/Baseball_7_Lecture.pptx
+++ b/Slides/Baseball 7/Baseball_7_Lecture.pptx
@@ -214,7 +214,7 @@
           <a:p>
             <a:fld id="{C04E5E84-956F-4423-97B3-5936A6D8EEEE}" type="datetimeFigureOut">
               <a:rPr lang="en-US" smtClean="0"/>
-              <a:t>9/18/2020</a:t>
+              <a:t>2/16/2021</a:t>
             </a:fld>
             <a:endParaRPr lang="en-US"/>
           </a:p>
@@ -628,7 +628,7 @@
           <a:p>
             <a:fld id="{3881C039-66A3-4640-815B-3B5A8B7D868D}" type="datetimeFigureOut">
               <a:rPr lang="en-US" smtClean="0"/>
-              <a:t>9/18/2020</a:t>
+              <a:t>2/16/2021</a:t>
             </a:fld>
             <a:endParaRPr lang="en-US"/>
           </a:p>
@@ -826,7 +826,7 @@
           <a:p>
             <a:fld id="{3881C039-66A3-4640-815B-3B5A8B7D868D}" type="datetimeFigureOut">
               <a:rPr lang="en-US" smtClean="0"/>
-              <a:t>9/18/2020</a:t>
+              <a:t>2/16/2021</a:t>
             </a:fld>
             <a:endParaRPr lang="en-US"/>
           </a:p>
@@ -1034,7 +1034,7 @@
           <a:p>
             <a:fld id="{3881C039-66A3-4640-815B-3B5A8B7D868D}" type="datetimeFigureOut">
               <a:rPr lang="en-US" smtClean="0"/>
-              <a:t>9/18/2020</a:t>
+              <a:t>2/16/2021</a:t>
             </a:fld>
             <a:endParaRPr lang="en-US"/>
           </a:p>
@@ -1232,7 +1232,7 @@
           <a:p>
             <a:fld id="{3881C039-66A3-4640-815B-3B5A8B7D868D}" type="datetimeFigureOut">
               <a:rPr lang="en-US" smtClean="0"/>
-              <a:t>9/18/2020</a:t>
+              <a:t>2/16/2021</a:t>
             </a:fld>
             <a:endParaRPr lang="en-US"/>
           </a:p>
@@ -1507,7 +1507,7 @@
           <a:p>
             <a:fld id="{3881C039-66A3-4640-815B-3B5A8B7D868D}" type="datetimeFigureOut">
               <a:rPr lang="en-US" smtClean="0"/>
-              <a:t>9/18/2020</a:t>
+              <a:t>2/16/2021</a:t>
             </a:fld>
             <a:endParaRPr lang="en-US"/>
           </a:p>
@@ -1772,7 +1772,7 @@
           <a:p>
             <a:fld id="{3881C039-66A3-4640-815B-3B5A8B7D868D}" type="datetimeFigureOut">
               <a:rPr lang="en-US" smtClean="0"/>
-              <a:t>9/18/2020</a:t>
+              <a:t>2/16/2021</a:t>
             </a:fld>
             <a:endParaRPr lang="en-US"/>
           </a:p>
@@ -2184,7 +2184,7 @@
           <a:p>
             <a:fld id="{3881C039-66A3-4640-815B-3B5A8B7D868D}" type="datetimeFigureOut">
               <a:rPr lang="en-US" smtClean="0"/>
-              <a:t>9/18/2020</a:t>
+              <a:t>2/16/2021</a:t>
             </a:fld>
             <a:endParaRPr lang="en-US"/>
           </a:p>
@@ -2325,7 +2325,7 @@
           <a:p>
             <a:fld id="{3881C039-66A3-4640-815B-3B5A8B7D868D}" type="datetimeFigureOut">
               <a:rPr lang="en-US" smtClean="0"/>
-              <a:t>9/18/2020</a:t>
+              <a:t>2/16/2021</a:t>
             </a:fld>
             <a:endParaRPr lang="en-US"/>
           </a:p>
@@ -2438,7 +2438,7 @@
           <a:p>
             <a:fld id="{3881C039-66A3-4640-815B-3B5A8B7D868D}" type="datetimeFigureOut">
               <a:rPr lang="en-US" smtClean="0"/>
-              <a:t>9/18/2020</a:t>
+              <a:t>2/16/2021</a:t>
             </a:fld>
             <a:endParaRPr lang="en-US"/>
           </a:p>
@@ -2749,7 +2749,7 @@
           <a:p>
             <a:fld id="{3881C039-66A3-4640-815B-3B5A8B7D868D}" type="datetimeFigureOut">
               <a:rPr lang="en-US" smtClean="0"/>
-              <a:t>9/18/2020</a:t>
+              <a:t>2/16/2021</a:t>
             </a:fld>
             <a:endParaRPr lang="en-US"/>
           </a:p>
@@ -3037,7 +3037,7 @@
           <a:p>
             <a:fld id="{3881C039-66A3-4640-815B-3B5A8B7D868D}" type="datetimeFigureOut">
               <a:rPr lang="en-US" smtClean="0"/>
-              <a:t>9/18/2020</a:t>
+              <a:t>2/16/2021</a:t>
             </a:fld>
             <a:endParaRPr lang="en-US"/>
           </a:p>
@@ -3281,7 +3281,7 @@
           <a:p>
             <a:fld id="{3881C039-66A3-4640-815B-3B5A8B7D868D}" type="datetimeFigureOut">
               <a:rPr lang="en-US" smtClean="0"/>
-              <a:t>9/18/2020</a:t>
+              <a:t>2/16/2021</a:t>
             </a:fld>
             <a:endParaRPr lang="en-US"/>
           </a:p>
@@ -3830,8 +3830,23 @@
                 </a:solidFill>
                 <a:latin typeface="Selawik Semibold" panose="020B0702040204020203" pitchFamily="34" charset="0"/>
               </a:rPr>
-              <a:t>Produced by Dr. Mario | UNC STOR 390</a:t>
+              <a:t>Produced by Dr. Mario | UNC </a:t>
             </a:r>
+            <a:r>
+              <a:rPr lang="en-US">
+                <a:solidFill>
+                  <a:schemeClr val="bg1"/>
+                </a:solidFill>
+                <a:latin typeface="Selawik Semibold" panose="020B0702040204020203" pitchFamily="34" charset="0"/>
+              </a:rPr>
+              <a:t>STOR 538</a:t>
+            </a:r>
+            <a:endParaRPr lang="en-US" dirty="0">
+              <a:solidFill>
+                <a:schemeClr val="bg1"/>
+              </a:solidFill>
+              <a:latin typeface="Selawik Semibold" panose="020B0702040204020203" pitchFamily="34" charset="0"/>
+            </a:endParaRPr>
           </a:p>
         </p:txBody>
       </p:sp>
@@ -10236,8 +10251,8 @@
           </p:sp>
         </mc:Fallback>
       </mc:AlternateContent>
-      <mc:AlternateContent xmlns:mc="http://schemas.openxmlformats.org/markup-compatibility/2006">
-        <mc:Choice xmlns:a14="http://schemas.microsoft.com/office/drawing/2010/main" Requires="a14">
+      <mc:AlternateContent xmlns:mc="http://schemas.openxmlformats.org/markup-compatibility/2006" xmlns:a14="http://schemas.microsoft.com/office/drawing/2010/main">
+        <mc:Choice Requires="a14">
           <p:sp>
             <p:nvSpPr>
               <p:cNvPr id="21" name="TextBox 20">
@@ -10334,7 +10349,7 @@
             </p:txBody>
           </p:sp>
         </mc:Choice>
-        <mc:Fallback>
+        <mc:Fallback xmlns="">
           <p:sp>
             <p:nvSpPr>
               <p:cNvPr id="21" name="TextBox 20">

--- a/Slides/Baseball 7/Baseball_7_Lecture.pptx
+++ b/Slides/Baseball 7/Baseball_7_Lecture.pptx
@@ -214,7 +214,7 @@
           <a:p>
             <a:fld id="{C04E5E84-956F-4423-97B3-5936A6D8EEEE}" type="datetimeFigureOut">
               <a:rPr lang="en-US" smtClean="0"/>
-              <a:t>2/16/2021</a:t>
+              <a:t>2/7/2023</a:t>
             </a:fld>
             <a:endParaRPr lang="en-US"/>
           </a:p>
@@ -628,7 +628,7 @@
           <a:p>
             <a:fld id="{3881C039-66A3-4640-815B-3B5A8B7D868D}" type="datetimeFigureOut">
               <a:rPr lang="en-US" smtClean="0"/>
-              <a:t>2/16/2021</a:t>
+              <a:t>2/7/2023</a:t>
             </a:fld>
             <a:endParaRPr lang="en-US"/>
           </a:p>
@@ -826,7 +826,7 @@
           <a:p>
             <a:fld id="{3881C039-66A3-4640-815B-3B5A8B7D868D}" type="datetimeFigureOut">
               <a:rPr lang="en-US" smtClean="0"/>
-              <a:t>2/16/2021</a:t>
+              <a:t>2/7/2023</a:t>
             </a:fld>
             <a:endParaRPr lang="en-US"/>
           </a:p>
@@ -1034,7 +1034,7 @@
           <a:p>
             <a:fld id="{3881C039-66A3-4640-815B-3B5A8B7D868D}" type="datetimeFigureOut">
               <a:rPr lang="en-US" smtClean="0"/>
-              <a:t>2/16/2021</a:t>
+              <a:t>2/7/2023</a:t>
             </a:fld>
             <a:endParaRPr lang="en-US"/>
           </a:p>
@@ -1232,7 +1232,7 @@
           <a:p>
             <a:fld id="{3881C039-66A3-4640-815B-3B5A8B7D868D}" type="datetimeFigureOut">
               <a:rPr lang="en-US" smtClean="0"/>
-              <a:t>2/16/2021</a:t>
+              <a:t>2/7/2023</a:t>
             </a:fld>
             <a:endParaRPr lang="en-US"/>
           </a:p>
@@ -1507,7 +1507,7 @@
           <a:p>
             <a:fld id="{3881C039-66A3-4640-815B-3B5A8B7D868D}" type="datetimeFigureOut">
               <a:rPr lang="en-US" smtClean="0"/>
-              <a:t>2/16/2021</a:t>
+              <a:t>2/7/2023</a:t>
             </a:fld>
             <a:endParaRPr lang="en-US"/>
           </a:p>
@@ -1772,7 +1772,7 @@
           <a:p>
             <a:fld id="{3881C039-66A3-4640-815B-3B5A8B7D868D}" type="datetimeFigureOut">
               <a:rPr lang="en-US" smtClean="0"/>
-              <a:t>2/16/2021</a:t>
+              <a:t>2/7/2023</a:t>
             </a:fld>
             <a:endParaRPr lang="en-US"/>
           </a:p>
@@ -2184,7 +2184,7 @@
           <a:p>
             <a:fld id="{3881C039-66A3-4640-815B-3B5A8B7D868D}" type="datetimeFigureOut">
               <a:rPr lang="en-US" smtClean="0"/>
-              <a:t>2/16/2021</a:t>
+              <a:t>2/7/2023</a:t>
             </a:fld>
             <a:endParaRPr lang="en-US"/>
           </a:p>
@@ -2325,7 +2325,7 @@
           <a:p>
             <a:fld id="{3881C039-66A3-4640-815B-3B5A8B7D868D}" type="datetimeFigureOut">
               <a:rPr lang="en-US" smtClean="0"/>
-              <a:t>2/16/2021</a:t>
+              <a:t>2/7/2023</a:t>
             </a:fld>
             <a:endParaRPr lang="en-US"/>
           </a:p>
@@ -2438,7 +2438,7 @@
           <a:p>
             <a:fld id="{3881C039-66A3-4640-815B-3B5A8B7D868D}" type="datetimeFigureOut">
               <a:rPr lang="en-US" smtClean="0"/>
-              <a:t>2/16/2021</a:t>
+              <a:t>2/7/2023</a:t>
             </a:fld>
             <a:endParaRPr lang="en-US"/>
           </a:p>
@@ -2749,7 +2749,7 @@
           <a:p>
             <a:fld id="{3881C039-66A3-4640-815B-3B5A8B7D868D}" type="datetimeFigureOut">
               <a:rPr lang="en-US" smtClean="0"/>
-              <a:t>2/16/2021</a:t>
+              <a:t>2/7/2023</a:t>
             </a:fld>
             <a:endParaRPr lang="en-US"/>
           </a:p>
@@ -3037,7 +3037,7 @@
           <a:p>
             <a:fld id="{3881C039-66A3-4640-815B-3B5A8B7D868D}" type="datetimeFigureOut">
               <a:rPr lang="en-US" smtClean="0"/>
-              <a:t>2/16/2021</a:t>
+              <a:t>2/7/2023</a:t>
             </a:fld>
             <a:endParaRPr lang="en-US"/>
           </a:p>
@@ -3281,7 +3281,7 @@
           <a:p>
             <a:fld id="{3881C039-66A3-4640-815B-3B5A8B7D868D}" type="datetimeFigureOut">
               <a:rPr lang="en-US" smtClean="0"/>
-              <a:t>2/16/2021</a:t>
+              <a:t>2/7/2023</a:t>
             </a:fld>
             <a:endParaRPr lang="en-US"/>
           </a:p>
@@ -8426,8 +8426,8 @@
           </a:p>
         </p:txBody>
       </p:sp>
-      <mc:AlternateContent xmlns:mc="http://schemas.openxmlformats.org/markup-compatibility/2006" xmlns:a14="http://schemas.microsoft.com/office/drawing/2010/main">
-        <mc:Choice Requires="a14">
+      <mc:AlternateContent xmlns:mc="http://schemas.openxmlformats.org/markup-compatibility/2006">
+        <mc:Choice xmlns:a14="http://schemas.microsoft.com/office/drawing/2010/main" Requires="a14">
           <p:sp>
             <p:nvSpPr>
               <p:cNvPr id="12" name="TextBox 11">
@@ -8544,7 +8544,16 @@
                                   </a:solidFill>
                                   <a:latin typeface="Cambria Math" panose="02040503050406030204" pitchFamily="18" charset="0"/>
                                 </a:rPr>
-                                <m:t>1−.333</m:t>
+                                <m:t>1−.3</m:t>
+                              </m:r>
+                              <m:r>
+                                <a:rPr lang="en-US" sz="2400" b="0" i="1" smtClean="0">
+                                  <a:solidFill>
+                                    <a:schemeClr val="bg1"/>
+                                  </a:solidFill>
+                                  <a:latin typeface="Cambria Math" panose="02040503050406030204" pitchFamily="18" charset="0"/>
+                                </a:rPr>
+                                <m:t>33</m:t>
                               </m:r>
                             </m:e>
                           </m:d>
@@ -8578,7 +8587,7 @@
             </p:txBody>
           </p:sp>
         </mc:Choice>
-        <mc:Fallback xmlns="">
+        <mc:Fallback>
           <p:sp>
             <p:nvSpPr>
               <p:cNvPr id="12" name="TextBox 11">
@@ -8623,8 +8632,8 @@
           </p:sp>
         </mc:Fallback>
       </mc:AlternateContent>
-      <mc:AlternateContent xmlns:mc="http://schemas.openxmlformats.org/markup-compatibility/2006" xmlns:a14="http://schemas.microsoft.com/office/drawing/2010/main">
-        <mc:Choice Requires="a14">
+      <mc:AlternateContent xmlns:mc="http://schemas.openxmlformats.org/markup-compatibility/2006">
+        <mc:Choice xmlns:a14="http://schemas.microsoft.com/office/drawing/2010/main" Requires="a14">
           <p:sp>
             <p:nvSpPr>
               <p:cNvPr id="14" name="TextBox 13">
@@ -8741,7 +8750,16 @@
                                   </a:solidFill>
                                   <a:latin typeface="Cambria Math" panose="02040503050406030204" pitchFamily="18" charset="0"/>
                                 </a:rPr>
-                                <m:t>1−.333</m:t>
+                                <m:t>1−.3</m:t>
+                              </m:r>
+                              <m:r>
+                                <a:rPr lang="en-US" sz="2400" b="0" i="1" smtClean="0">
+                                  <a:solidFill>
+                                    <a:schemeClr val="bg1"/>
+                                  </a:solidFill>
+                                  <a:latin typeface="Cambria Math" panose="02040503050406030204" pitchFamily="18" charset="0"/>
+                                </a:rPr>
+                                <m:t>33</m:t>
                               </m:r>
                             </m:e>
                           </m:d>
@@ -8775,7 +8793,7 @@
             </p:txBody>
           </p:sp>
         </mc:Choice>
-        <mc:Fallback xmlns="">
+        <mc:Fallback>
           <p:sp>
             <p:nvSpPr>
               <p:cNvPr id="14" name="TextBox 13">
@@ -8820,8 +8838,8 @@
           </p:sp>
         </mc:Fallback>
       </mc:AlternateContent>
-      <mc:AlternateContent xmlns:mc="http://schemas.openxmlformats.org/markup-compatibility/2006" xmlns:a14="http://schemas.microsoft.com/office/drawing/2010/main">
-        <mc:Choice Requires="a14">
+      <mc:AlternateContent xmlns:mc="http://schemas.openxmlformats.org/markup-compatibility/2006">
+        <mc:Choice xmlns:a14="http://schemas.microsoft.com/office/drawing/2010/main" Requires="a14">
           <p:sp>
             <p:nvSpPr>
               <p:cNvPr id="15" name="TextBox 14">
@@ -9055,7 +9073,16 @@
                           </a:solidFill>
                           <a:latin typeface="Cambria Math" panose="02040503050406030204" pitchFamily="18" charset="0"/>
                         </a:rPr>
-                        <m:t>0.000011%</m:t>
+                        <m:t>0.00001</m:t>
+                      </m:r>
+                      <m:r>
+                        <a:rPr lang="en-US" sz="2400" b="0" i="0" smtClean="0">
+                          <a:solidFill>
+                            <a:schemeClr val="bg1"/>
+                          </a:solidFill>
+                          <a:latin typeface="Cambria Math" panose="02040503050406030204" pitchFamily="18" charset="0"/>
+                        </a:rPr>
+                        <m:t>1%</m:t>
                       </m:r>
                     </m:oMath>
                   </m:oMathPara>
@@ -9065,7 +9092,7 @@
             </p:txBody>
           </p:sp>
         </mc:Choice>
-        <mc:Fallback xmlns="">
+        <mc:Fallback>
           <p:sp>
             <p:nvSpPr>
               <p:cNvPr id="15" name="TextBox 14">
@@ -10251,8 +10278,8 @@
           </p:sp>
         </mc:Fallback>
       </mc:AlternateContent>
-      <mc:AlternateContent xmlns:mc="http://schemas.openxmlformats.org/markup-compatibility/2006" xmlns:a14="http://schemas.microsoft.com/office/drawing/2010/main">
-        <mc:Choice Requires="a14">
+      <mc:AlternateContent xmlns:mc="http://schemas.openxmlformats.org/markup-compatibility/2006">
+        <mc:Choice xmlns:a14="http://schemas.microsoft.com/office/drawing/2010/main" Requires="a14">
           <p:sp>
             <p:nvSpPr>
               <p:cNvPr id="21" name="TextBox 20">
@@ -10339,7 +10366,25 @@
                           </a:solidFill>
                           <a:latin typeface="Cambria Math" panose="02040503050406030204" pitchFamily="18" charset="0"/>
                         </a:rPr>
-                        <m:t>=0.00027</m:t>
+                        <m:t>=0.00</m:t>
+                      </m:r>
+                      <m:r>
+                        <a:rPr lang="en-US" sz="2400" b="0" i="0" smtClean="0">
+                          <a:solidFill>
+                            <a:schemeClr val="bg1"/>
+                          </a:solidFill>
+                          <a:latin typeface="Cambria Math" panose="02040503050406030204" pitchFamily="18" charset="0"/>
+                        </a:rPr>
+                        <m:t>00</m:t>
+                      </m:r>
+                      <m:r>
+                        <a:rPr lang="en-US" sz="2400" b="0" i="0" smtClean="0">
+                          <a:solidFill>
+                            <a:schemeClr val="bg1"/>
+                          </a:solidFill>
+                          <a:latin typeface="Cambria Math" panose="02040503050406030204" pitchFamily="18" charset="0"/>
+                        </a:rPr>
+                        <m:t>027</m:t>
                       </m:r>
                     </m:oMath>
                   </m:oMathPara>
@@ -10349,7 +10394,7 @@
             </p:txBody>
           </p:sp>
         </mc:Choice>
-        <mc:Fallback xmlns="">
+        <mc:Fallback>
           <p:sp>
             <p:nvSpPr>
               <p:cNvPr id="21" name="TextBox 20">
@@ -10880,7 +10925,7 @@
                 </a:solidFill>
                 <a:latin typeface="Selawik Semibold" panose="020B0702040204020203" pitchFamily="34" charset="0"/>
               </a:rPr>
-              <a:t>Total Number of Batters Between 1900 and 2006 = 7179</a:t>
+              <a:t>Total Number of Batters Between 1900 and 2006 = 8233</a:t>
             </a:r>
           </a:p>
           <a:p>
@@ -11054,7 +11099,7 @@
                 </a:solidFill>
                 <a:latin typeface="Selawik Semibold" panose="020B0702040204020203" pitchFamily="34" charset="0"/>
               </a:rPr>
-              <a:t>Batter With Batting Average of 0.333 Requires 9,926 Seasons to Have a 50% Chance of Getting the 56 Game Winning Streak</a:t>
+              <a:t>Batter With Batting Average of 0.33 Requires 9,926 Seasons to Have a 50% Chance of Getting the 56 Game Winning Streak</a:t>
             </a:r>
           </a:p>
           <a:p>
@@ -11092,43 +11137,8 @@
           </a:p>
         </p:txBody>
       </p:sp>
-      <p:pic>
-        <p:nvPicPr>
-          <p:cNvPr id="2" name="Picture 1">
-            <a:extLst>
-              <a:ext uri="{FF2B5EF4-FFF2-40B4-BE49-F238E27FC236}">
-                <a16:creationId xmlns:a16="http://schemas.microsoft.com/office/drawing/2014/main" id="{562E4400-6C10-437B-ABCE-546EF377916F}"/>
-              </a:ext>
-            </a:extLst>
-          </p:cNvPr>
-          <p:cNvPicPr>
-            <a:picLocks noChangeAspect="1"/>
-          </p:cNvPicPr>
-          <p:nvPr/>
-        </p:nvPicPr>
-        <p:blipFill>
-          <a:blip r:embed="rId4"/>
-          <a:stretch>
-            <a:fillRect/>
-          </a:stretch>
-        </p:blipFill>
-        <p:spPr>
-          <a:xfrm>
-            <a:off x="4021172" y="2362149"/>
-            <a:ext cx="5387871" cy="1410483"/>
-          </a:xfrm>
-          <a:prstGeom prst="rect">
-            <a:avLst/>
-          </a:prstGeom>
-          <a:ln w="38100">
-            <a:solidFill>
-              <a:schemeClr val="tx1"/>
-            </a:solidFill>
-          </a:ln>
-        </p:spPr>
-      </p:pic>
-      <mc:AlternateContent xmlns:mc="http://schemas.openxmlformats.org/markup-compatibility/2006" xmlns:a14="http://schemas.microsoft.com/office/drawing/2010/main">
-        <mc:Choice Requires="a14">
+      <mc:AlternateContent xmlns:mc="http://schemas.openxmlformats.org/markup-compatibility/2006">
+        <mc:Choice xmlns:a14="http://schemas.microsoft.com/office/drawing/2010/main" Requires="a14">
           <p:sp>
             <p:nvSpPr>
               <p:cNvPr id="22" name="TextBox 21">
@@ -11398,7 +11408,7 @@
                                   </a:solidFill>
                                   <a:latin typeface="Cambria Math" panose="02040503050406030204" pitchFamily="18" charset="0"/>
                                 </a:rPr>
-                                <m:t>7179</m:t>
+                                <m:t>8233</m:t>
                               </m:r>
                             </m:sub>
                           </m:sSub>
@@ -11421,7 +11431,7 @@
             </p:txBody>
           </p:sp>
         </mc:Choice>
-        <mc:Fallback xmlns="">
+        <mc:Fallback>
           <p:sp>
             <p:nvSpPr>
               <p:cNvPr id="22" name="TextBox 21">
@@ -11445,7 +11455,7 @@
                 <a:avLst/>
               </a:prstGeom>
               <a:blipFill>
-                <a:blip r:embed="rId5"/>
+                <a:blip r:embed="rId4"/>
                 <a:stretch>
                   <a:fillRect b="-17105"/>
                 </a:stretch>
@@ -11773,6 +11783,41 @@
           </p:sp>
         </mc:Fallback>
       </mc:AlternateContent>
+      <p:pic>
+        <p:nvPicPr>
+          <p:cNvPr id="4" name="Picture 3">
+            <a:extLst>
+              <a:ext uri="{FF2B5EF4-FFF2-40B4-BE49-F238E27FC236}">
+                <a16:creationId xmlns:a16="http://schemas.microsoft.com/office/drawing/2014/main" id="{462BFDD3-25DC-7AF5-9E1B-44E3B3212B7B}"/>
+              </a:ext>
+            </a:extLst>
+          </p:cNvPr>
+          <p:cNvPicPr>
+            <a:picLocks noChangeAspect="1"/>
+          </p:cNvPicPr>
+          <p:nvPr/>
+        </p:nvPicPr>
+        <p:blipFill>
+          <a:blip r:embed="rId7"/>
+          <a:stretch>
+            <a:fillRect/>
+          </a:stretch>
+        </p:blipFill>
+        <p:spPr>
+          <a:xfrm>
+            <a:off x="3985449" y="2350354"/>
+            <a:ext cx="5094278" cy="1566910"/>
+          </a:xfrm>
+          <a:prstGeom prst="rect">
+            <a:avLst/>
+          </a:prstGeom>
+          <a:ln w="28575">
+            <a:solidFill>
+              <a:schemeClr val="tx1"/>
+            </a:solidFill>
+          </a:ln>
+        </p:spPr>
+      </p:pic>
     </p:spTree>
     <p:extLst>
       <p:ext uri="{BB962C8B-B14F-4D97-AF65-F5344CB8AC3E}">
@@ -12274,7 +12319,7 @@
                 </a:solidFill>
                 <a:latin typeface="Selawik Semibold" panose="020B0702040204020203" pitchFamily="34" charset="0"/>
               </a:rPr>
-              <a:t>All Games Are Started by Pitchers Who Start Exactly 35 Games (Exactly 883 Pitchers Under This Criteria from 1900 to 2006)</a:t>
+              <a:t>All Games Are Started by Pitchers Who Start Exactly 35 Games (Exactly 951 Pitchers Under This Criteria from 1900 to 2016)</a:t>
             </a:r>
           </a:p>
           <a:p>
@@ -12408,8 +12453,8 @@
           </a:p>
         </p:txBody>
       </p:sp>
-      <mc:AlternateContent xmlns:mc="http://schemas.openxmlformats.org/markup-compatibility/2006" xmlns:a14="http://schemas.microsoft.com/office/drawing/2010/main">
-        <mc:Choice Requires="a14">
+      <mc:AlternateContent xmlns:mc="http://schemas.openxmlformats.org/markup-compatibility/2006">
+        <mc:Choice xmlns:a14="http://schemas.microsoft.com/office/drawing/2010/main" Requires="a14">
           <p:sp>
             <p:nvSpPr>
               <p:cNvPr id="18" name="TextBox 17">
@@ -12484,7 +12529,43 @@
                           </a:solidFill>
                           <a:latin typeface="Cambria Math" panose="02040503050406030204" pitchFamily="18" charset="0"/>
                         </a:rPr>
-                        <m:t>=11.8%</m:t>
+                        <m:t>=1</m:t>
+                      </m:r>
+                      <m:r>
+                        <a:rPr lang="en-US" sz="2400" b="0" i="1" smtClean="0">
+                          <a:solidFill>
+                            <a:schemeClr val="bg1"/>
+                          </a:solidFill>
+                          <a:latin typeface="Cambria Math" panose="02040503050406030204" pitchFamily="18" charset="0"/>
+                        </a:rPr>
+                        <m:t>5</m:t>
+                      </m:r>
+                      <m:r>
+                        <a:rPr lang="en-US" sz="2400" b="0" i="1" smtClean="0">
+                          <a:solidFill>
+                            <a:schemeClr val="bg1"/>
+                          </a:solidFill>
+                          <a:latin typeface="Cambria Math" panose="02040503050406030204" pitchFamily="18" charset="0"/>
+                        </a:rPr>
+                        <m:t>.</m:t>
+                      </m:r>
+                      <m:r>
+                        <a:rPr lang="en-US" sz="2400" b="0" i="1" smtClean="0">
+                          <a:solidFill>
+                            <a:schemeClr val="bg1"/>
+                          </a:solidFill>
+                          <a:latin typeface="Cambria Math" panose="02040503050406030204" pitchFamily="18" charset="0"/>
+                        </a:rPr>
+                        <m:t>7</m:t>
+                      </m:r>
+                      <m:r>
+                        <a:rPr lang="en-US" sz="2400" b="0" i="1" smtClean="0">
+                          <a:solidFill>
+                            <a:schemeClr val="bg1"/>
+                          </a:solidFill>
+                          <a:latin typeface="Cambria Math" panose="02040503050406030204" pitchFamily="18" charset="0"/>
+                        </a:rPr>
+                        <m:t>%</m:t>
                       </m:r>
                     </m:oMath>
                   </m:oMathPara>
@@ -12494,7 +12575,7 @@
             </p:txBody>
           </p:sp>
         </mc:Choice>
-        <mc:Fallback xmlns="">
+        <mc:Fallback>
           <p:sp>
             <p:nvSpPr>
               <p:cNvPr id="18" name="TextBox 17">
@@ -13010,7 +13091,7 @@
                 </a:solidFill>
                 <a:latin typeface="Selawik Semibold" panose="020B0702040204020203" pitchFamily="34" charset="0"/>
               </a:rPr>
-              <a:t>So What is the Most Difficult Achievement?</a:t>
+              <a:t>What is the Most Difficult Achievement?</a:t>
             </a:r>
           </a:p>
           <a:p>

--- a/Slides/Baseball 7/Baseball_7_Lecture.pptx
+++ b/Slides/Baseball 7/Baseball_7_Lecture.pptx
@@ -214,7 +214,7 @@
           <a:p>
             <a:fld id="{C04E5E84-956F-4423-97B3-5936A6D8EEEE}" type="datetimeFigureOut">
               <a:rPr lang="en-US" smtClean="0"/>
-              <a:t>2/7/2023</a:t>
+              <a:t>2/14/2023</a:t>
             </a:fld>
             <a:endParaRPr lang="en-US"/>
           </a:p>
@@ -628,7 +628,7 @@
           <a:p>
             <a:fld id="{3881C039-66A3-4640-815B-3B5A8B7D868D}" type="datetimeFigureOut">
               <a:rPr lang="en-US" smtClean="0"/>
-              <a:t>2/7/2023</a:t>
+              <a:t>2/14/2023</a:t>
             </a:fld>
             <a:endParaRPr lang="en-US"/>
           </a:p>
@@ -826,7 +826,7 @@
           <a:p>
             <a:fld id="{3881C039-66A3-4640-815B-3B5A8B7D868D}" type="datetimeFigureOut">
               <a:rPr lang="en-US" smtClean="0"/>
-              <a:t>2/7/2023</a:t>
+              <a:t>2/14/2023</a:t>
             </a:fld>
             <a:endParaRPr lang="en-US"/>
           </a:p>
@@ -1034,7 +1034,7 @@
           <a:p>
             <a:fld id="{3881C039-66A3-4640-815B-3B5A8B7D868D}" type="datetimeFigureOut">
               <a:rPr lang="en-US" smtClean="0"/>
-              <a:t>2/7/2023</a:t>
+              <a:t>2/14/2023</a:t>
             </a:fld>
             <a:endParaRPr lang="en-US"/>
           </a:p>
@@ -1232,7 +1232,7 @@
           <a:p>
             <a:fld id="{3881C039-66A3-4640-815B-3B5A8B7D868D}" type="datetimeFigureOut">
               <a:rPr lang="en-US" smtClean="0"/>
-              <a:t>2/7/2023</a:t>
+              <a:t>2/14/2023</a:t>
             </a:fld>
             <a:endParaRPr lang="en-US"/>
           </a:p>
@@ -1507,7 +1507,7 @@
           <a:p>
             <a:fld id="{3881C039-66A3-4640-815B-3B5A8B7D868D}" type="datetimeFigureOut">
               <a:rPr lang="en-US" smtClean="0"/>
-              <a:t>2/7/2023</a:t>
+              <a:t>2/14/2023</a:t>
             </a:fld>
             <a:endParaRPr lang="en-US"/>
           </a:p>
@@ -1772,7 +1772,7 @@
           <a:p>
             <a:fld id="{3881C039-66A3-4640-815B-3B5A8B7D868D}" type="datetimeFigureOut">
               <a:rPr lang="en-US" smtClean="0"/>
-              <a:t>2/7/2023</a:t>
+              <a:t>2/14/2023</a:t>
             </a:fld>
             <a:endParaRPr lang="en-US"/>
           </a:p>
@@ -2184,7 +2184,7 @@
           <a:p>
             <a:fld id="{3881C039-66A3-4640-815B-3B5A8B7D868D}" type="datetimeFigureOut">
               <a:rPr lang="en-US" smtClean="0"/>
-              <a:t>2/7/2023</a:t>
+              <a:t>2/14/2023</a:t>
             </a:fld>
             <a:endParaRPr lang="en-US"/>
           </a:p>
@@ -2325,7 +2325,7 @@
           <a:p>
             <a:fld id="{3881C039-66A3-4640-815B-3B5A8B7D868D}" type="datetimeFigureOut">
               <a:rPr lang="en-US" smtClean="0"/>
-              <a:t>2/7/2023</a:t>
+              <a:t>2/14/2023</a:t>
             </a:fld>
             <a:endParaRPr lang="en-US"/>
           </a:p>
@@ -2438,7 +2438,7 @@
           <a:p>
             <a:fld id="{3881C039-66A3-4640-815B-3B5A8B7D868D}" type="datetimeFigureOut">
               <a:rPr lang="en-US" smtClean="0"/>
-              <a:t>2/7/2023</a:t>
+              <a:t>2/14/2023</a:t>
             </a:fld>
             <a:endParaRPr lang="en-US"/>
           </a:p>
@@ -2749,7 +2749,7 @@
           <a:p>
             <a:fld id="{3881C039-66A3-4640-815B-3B5A8B7D868D}" type="datetimeFigureOut">
               <a:rPr lang="en-US" smtClean="0"/>
-              <a:t>2/7/2023</a:t>
+              <a:t>2/14/2023</a:t>
             </a:fld>
             <a:endParaRPr lang="en-US"/>
           </a:p>
@@ -3037,7 +3037,7 @@
           <a:p>
             <a:fld id="{3881C039-66A3-4640-815B-3B5A8B7D868D}" type="datetimeFigureOut">
               <a:rPr lang="en-US" smtClean="0"/>
-              <a:t>2/7/2023</a:t>
+              <a:t>2/14/2023</a:t>
             </a:fld>
             <a:endParaRPr lang="en-US"/>
           </a:p>
@@ -3281,7 +3281,7 @@
           <a:p>
             <a:fld id="{3881C039-66A3-4640-815B-3B5A8B7D868D}" type="datetimeFigureOut">
               <a:rPr lang="en-US" smtClean="0"/>
-              <a:t>2/7/2023</a:t>
+              <a:t>2/14/2023</a:t>
             </a:fld>
             <a:endParaRPr lang="en-US"/>
           </a:p>
@@ -8426,8 +8426,8 @@
           </a:p>
         </p:txBody>
       </p:sp>
-      <mc:AlternateContent xmlns:mc="http://schemas.openxmlformats.org/markup-compatibility/2006">
-        <mc:Choice xmlns:a14="http://schemas.microsoft.com/office/drawing/2010/main" Requires="a14">
+      <mc:AlternateContent xmlns:mc="http://schemas.openxmlformats.org/markup-compatibility/2006" xmlns:a14="http://schemas.microsoft.com/office/drawing/2010/main">
+        <mc:Choice Requires="a14">
           <p:sp>
             <p:nvSpPr>
               <p:cNvPr id="12" name="TextBox 11">
@@ -8544,16 +8544,7 @@
                                   </a:solidFill>
                                   <a:latin typeface="Cambria Math" panose="02040503050406030204" pitchFamily="18" charset="0"/>
                                 </a:rPr>
-                                <m:t>1−.3</m:t>
-                              </m:r>
-                              <m:r>
-                                <a:rPr lang="en-US" sz="2400" b="0" i="1" smtClean="0">
-                                  <a:solidFill>
-                                    <a:schemeClr val="bg1"/>
-                                  </a:solidFill>
-                                  <a:latin typeface="Cambria Math" panose="02040503050406030204" pitchFamily="18" charset="0"/>
-                                </a:rPr>
-                                <m:t>33</m:t>
+                                <m:t>1−.333</m:t>
                               </m:r>
                             </m:e>
                           </m:d>
@@ -8587,7 +8578,7 @@
             </p:txBody>
           </p:sp>
         </mc:Choice>
-        <mc:Fallback>
+        <mc:Fallback xmlns="">
           <p:sp>
             <p:nvSpPr>
               <p:cNvPr id="12" name="TextBox 11">
@@ -8632,8 +8623,8 @@
           </p:sp>
         </mc:Fallback>
       </mc:AlternateContent>
-      <mc:AlternateContent xmlns:mc="http://schemas.openxmlformats.org/markup-compatibility/2006">
-        <mc:Choice xmlns:a14="http://schemas.microsoft.com/office/drawing/2010/main" Requires="a14">
+      <mc:AlternateContent xmlns:mc="http://schemas.openxmlformats.org/markup-compatibility/2006" xmlns:a14="http://schemas.microsoft.com/office/drawing/2010/main">
+        <mc:Choice Requires="a14">
           <p:sp>
             <p:nvSpPr>
               <p:cNvPr id="14" name="TextBox 13">
@@ -8750,16 +8741,7 @@
                                   </a:solidFill>
                                   <a:latin typeface="Cambria Math" panose="02040503050406030204" pitchFamily="18" charset="0"/>
                                 </a:rPr>
-                                <m:t>1−.3</m:t>
-                              </m:r>
-                              <m:r>
-                                <a:rPr lang="en-US" sz="2400" b="0" i="1" smtClean="0">
-                                  <a:solidFill>
-                                    <a:schemeClr val="bg1"/>
-                                  </a:solidFill>
-                                  <a:latin typeface="Cambria Math" panose="02040503050406030204" pitchFamily="18" charset="0"/>
-                                </a:rPr>
-                                <m:t>33</m:t>
+                                <m:t>1−.333</m:t>
                               </m:r>
                             </m:e>
                           </m:d>
@@ -8793,7 +8775,7 @@
             </p:txBody>
           </p:sp>
         </mc:Choice>
-        <mc:Fallback>
+        <mc:Fallback xmlns="">
           <p:sp>
             <p:nvSpPr>
               <p:cNvPr id="14" name="TextBox 13">
@@ -8838,8 +8820,8 @@
           </p:sp>
         </mc:Fallback>
       </mc:AlternateContent>
-      <mc:AlternateContent xmlns:mc="http://schemas.openxmlformats.org/markup-compatibility/2006">
-        <mc:Choice xmlns:a14="http://schemas.microsoft.com/office/drawing/2010/main" Requires="a14">
+      <mc:AlternateContent xmlns:mc="http://schemas.openxmlformats.org/markup-compatibility/2006" xmlns:a14="http://schemas.microsoft.com/office/drawing/2010/main">
+        <mc:Choice Requires="a14">
           <p:sp>
             <p:nvSpPr>
               <p:cNvPr id="15" name="TextBox 14">
@@ -9073,16 +9055,7 @@
                           </a:solidFill>
                           <a:latin typeface="Cambria Math" panose="02040503050406030204" pitchFamily="18" charset="0"/>
                         </a:rPr>
-                        <m:t>0.00001</m:t>
-                      </m:r>
-                      <m:r>
-                        <a:rPr lang="en-US" sz="2400" b="0" i="0" smtClean="0">
-                          <a:solidFill>
-                            <a:schemeClr val="bg1"/>
-                          </a:solidFill>
-                          <a:latin typeface="Cambria Math" panose="02040503050406030204" pitchFamily="18" charset="0"/>
-                        </a:rPr>
-                        <m:t>1%</m:t>
+                        <m:t>0.000011%</m:t>
                       </m:r>
                     </m:oMath>
                   </m:oMathPara>
@@ -9092,7 +9065,7 @@
             </p:txBody>
           </p:sp>
         </mc:Choice>
-        <mc:Fallback>
+        <mc:Fallback xmlns="">
           <p:sp>
             <p:nvSpPr>
               <p:cNvPr id="15" name="TextBox 14">
@@ -10278,8 +10251,8 @@
           </p:sp>
         </mc:Fallback>
       </mc:AlternateContent>
-      <mc:AlternateContent xmlns:mc="http://schemas.openxmlformats.org/markup-compatibility/2006">
-        <mc:Choice xmlns:a14="http://schemas.microsoft.com/office/drawing/2010/main" Requires="a14">
+      <mc:AlternateContent xmlns:mc="http://schemas.openxmlformats.org/markup-compatibility/2006" xmlns:a14="http://schemas.microsoft.com/office/drawing/2010/main">
+        <mc:Choice Requires="a14">
           <p:sp>
             <p:nvSpPr>
               <p:cNvPr id="21" name="TextBox 20">
@@ -10366,25 +10339,7 @@
                           </a:solidFill>
                           <a:latin typeface="Cambria Math" panose="02040503050406030204" pitchFamily="18" charset="0"/>
                         </a:rPr>
-                        <m:t>=0.00</m:t>
-                      </m:r>
-                      <m:r>
-                        <a:rPr lang="en-US" sz="2400" b="0" i="0" smtClean="0">
-                          <a:solidFill>
-                            <a:schemeClr val="bg1"/>
-                          </a:solidFill>
-                          <a:latin typeface="Cambria Math" panose="02040503050406030204" pitchFamily="18" charset="0"/>
-                        </a:rPr>
-                        <m:t>00</m:t>
-                      </m:r>
-                      <m:r>
-                        <a:rPr lang="en-US" sz="2400" b="0" i="0" smtClean="0">
-                          <a:solidFill>
-                            <a:schemeClr val="bg1"/>
-                          </a:solidFill>
-                          <a:latin typeface="Cambria Math" panose="02040503050406030204" pitchFamily="18" charset="0"/>
-                        </a:rPr>
-                        <m:t>027</m:t>
+                        <m:t>=0.0000027</m:t>
                       </m:r>
                     </m:oMath>
                   </m:oMathPara>
@@ -10394,7 +10349,7 @@
             </p:txBody>
           </p:sp>
         </mc:Choice>
-        <mc:Fallback>
+        <mc:Fallback xmlns="">
           <p:sp>
             <p:nvSpPr>
               <p:cNvPr id="21" name="TextBox 20">
@@ -10925,7 +10880,25 @@
                 </a:solidFill>
                 <a:latin typeface="Selawik Semibold" panose="020B0702040204020203" pitchFamily="34" charset="0"/>
               </a:rPr>
-              <a:t>Total Number of Batters Between 1900 and 2006 = 8233</a:t>
+              <a:t>Total Number of Batters Between 1900 </a:t>
+            </a:r>
+            <a:r>
+              <a:rPr lang="en-US" sz="2000">
+                <a:solidFill>
+                  <a:schemeClr val="bg1"/>
+                </a:solidFill>
+                <a:latin typeface="Selawik Semibold" panose="020B0702040204020203" pitchFamily="34" charset="0"/>
+              </a:rPr>
+              <a:t>and 2016 </a:t>
+            </a:r>
+            <a:r>
+              <a:rPr lang="en-US" sz="2000" dirty="0">
+                <a:solidFill>
+                  <a:schemeClr val="bg1"/>
+                </a:solidFill>
+                <a:latin typeface="Selawik Semibold" panose="020B0702040204020203" pitchFamily="34" charset="0"/>
+              </a:rPr>
+              <a:t>= 8233</a:t>
             </a:r>
           </a:p>
           <a:p>
@@ -11137,8 +11110,8 @@
           </a:p>
         </p:txBody>
       </p:sp>
-      <mc:AlternateContent xmlns:mc="http://schemas.openxmlformats.org/markup-compatibility/2006">
-        <mc:Choice xmlns:a14="http://schemas.microsoft.com/office/drawing/2010/main" Requires="a14">
+      <mc:AlternateContent xmlns:mc="http://schemas.openxmlformats.org/markup-compatibility/2006" xmlns:a14="http://schemas.microsoft.com/office/drawing/2010/main">
+        <mc:Choice Requires="a14">
           <p:sp>
             <p:nvSpPr>
               <p:cNvPr id="22" name="TextBox 21">
@@ -11431,7 +11404,7 @@
             </p:txBody>
           </p:sp>
         </mc:Choice>
-        <mc:Fallback>
+        <mc:Fallback xmlns="">
           <p:sp>
             <p:nvSpPr>
               <p:cNvPr id="22" name="TextBox 21">
@@ -12453,8 +12426,8 @@
           </a:p>
         </p:txBody>
       </p:sp>
-      <mc:AlternateContent xmlns:mc="http://schemas.openxmlformats.org/markup-compatibility/2006">
-        <mc:Choice xmlns:a14="http://schemas.microsoft.com/office/drawing/2010/main" Requires="a14">
+      <mc:AlternateContent xmlns:mc="http://schemas.openxmlformats.org/markup-compatibility/2006" xmlns:a14="http://schemas.microsoft.com/office/drawing/2010/main">
+        <mc:Choice Requires="a14">
           <p:sp>
             <p:nvSpPr>
               <p:cNvPr id="18" name="TextBox 17">
@@ -12529,43 +12502,7 @@
                           </a:solidFill>
                           <a:latin typeface="Cambria Math" panose="02040503050406030204" pitchFamily="18" charset="0"/>
                         </a:rPr>
-                        <m:t>=1</m:t>
-                      </m:r>
-                      <m:r>
-                        <a:rPr lang="en-US" sz="2400" b="0" i="1" smtClean="0">
-                          <a:solidFill>
-                            <a:schemeClr val="bg1"/>
-                          </a:solidFill>
-                          <a:latin typeface="Cambria Math" panose="02040503050406030204" pitchFamily="18" charset="0"/>
-                        </a:rPr>
-                        <m:t>5</m:t>
-                      </m:r>
-                      <m:r>
-                        <a:rPr lang="en-US" sz="2400" b="0" i="1" smtClean="0">
-                          <a:solidFill>
-                            <a:schemeClr val="bg1"/>
-                          </a:solidFill>
-                          <a:latin typeface="Cambria Math" panose="02040503050406030204" pitchFamily="18" charset="0"/>
-                        </a:rPr>
-                        <m:t>.</m:t>
-                      </m:r>
-                      <m:r>
-                        <a:rPr lang="en-US" sz="2400" b="0" i="1" smtClean="0">
-                          <a:solidFill>
-                            <a:schemeClr val="bg1"/>
-                          </a:solidFill>
-                          <a:latin typeface="Cambria Math" panose="02040503050406030204" pitchFamily="18" charset="0"/>
-                        </a:rPr>
-                        <m:t>7</m:t>
-                      </m:r>
-                      <m:r>
-                        <a:rPr lang="en-US" sz="2400" b="0" i="1" smtClean="0">
-                          <a:solidFill>
-                            <a:schemeClr val="bg1"/>
-                          </a:solidFill>
-                          <a:latin typeface="Cambria Math" panose="02040503050406030204" pitchFamily="18" charset="0"/>
-                        </a:rPr>
-                        <m:t>%</m:t>
+                        <m:t>=15.7%</m:t>
                       </m:r>
                     </m:oMath>
                   </m:oMathPara>
@@ -12575,7 +12512,7 @@
             </p:txBody>
           </p:sp>
         </mc:Choice>
-        <mc:Fallback>
+        <mc:Fallback xmlns="">
           <p:sp>
             <p:nvSpPr>
               <p:cNvPr id="18" name="TextBox 17">

--- a/Slides/Baseball 7/Baseball_7_Lecture.pptx
+++ b/Slides/Baseball 7/Baseball_7_Lecture.pptx
@@ -214,7 +214,7 @@
           <a:p>
             <a:fld id="{C04E5E84-956F-4423-97B3-5936A6D8EEEE}" type="datetimeFigureOut">
               <a:rPr lang="en-US" smtClean="0"/>
-              <a:t>2/14/2023</a:t>
+              <a:t>10/2/2025</a:t>
             </a:fld>
             <a:endParaRPr lang="en-US"/>
           </a:p>
@@ -628,7 +628,7 @@
           <a:p>
             <a:fld id="{3881C039-66A3-4640-815B-3B5A8B7D868D}" type="datetimeFigureOut">
               <a:rPr lang="en-US" smtClean="0"/>
-              <a:t>2/14/2023</a:t>
+              <a:t>10/2/2025</a:t>
             </a:fld>
             <a:endParaRPr lang="en-US"/>
           </a:p>
@@ -826,7 +826,7 @@
           <a:p>
             <a:fld id="{3881C039-66A3-4640-815B-3B5A8B7D868D}" type="datetimeFigureOut">
               <a:rPr lang="en-US" smtClean="0"/>
-              <a:t>2/14/2023</a:t>
+              <a:t>10/2/2025</a:t>
             </a:fld>
             <a:endParaRPr lang="en-US"/>
           </a:p>
@@ -1034,7 +1034,7 @@
           <a:p>
             <a:fld id="{3881C039-66A3-4640-815B-3B5A8B7D868D}" type="datetimeFigureOut">
               <a:rPr lang="en-US" smtClean="0"/>
-              <a:t>2/14/2023</a:t>
+              <a:t>10/2/2025</a:t>
             </a:fld>
             <a:endParaRPr lang="en-US"/>
           </a:p>
@@ -1232,7 +1232,7 @@
           <a:p>
             <a:fld id="{3881C039-66A3-4640-815B-3B5A8B7D868D}" type="datetimeFigureOut">
               <a:rPr lang="en-US" smtClean="0"/>
-              <a:t>2/14/2023</a:t>
+              <a:t>10/2/2025</a:t>
             </a:fld>
             <a:endParaRPr lang="en-US"/>
           </a:p>
@@ -1507,7 +1507,7 @@
           <a:p>
             <a:fld id="{3881C039-66A3-4640-815B-3B5A8B7D868D}" type="datetimeFigureOut">
               <a:rPr lang="en-US" smtClean="0"/>
-              <a:t>2/14/2023</a:t>
+              <a:t>10/2/2025</a:t>
             </a:fld>
             <a:endParaRPr lang="en-US"/>
           </a:p>
@@ -1772,7 +1772,7 @@
           <a:p>
             <a:fld id="{3881C039-66A3-4640-815B-3B5A8B7D868D}" type="datetimeFigureOut">
               <a:rPr lang="en-US" smtClean="0"/>
-              <a:t>2/14/2023</a:t>
+              <a:t>10/2/2025</a:t>
             </a:fld>
             <a:endParaRPr lang="en-US"/>
           </a:p>
@@ -2184,7 +2184,7 @@
           <a:p>
             <a:fld id="{3881C039-66A3-4640-815B-3B5A8B7D868D}" type="datetimeFigureOut">
               <a:rPr lang="en-US" smtClean="0"/>
-              <a:t>2/14/2023</a:t>
+              <a:t>10/2/2025</a:t>
             </a:fld>
             <a:endParaRPr lang="en-US"/>
           </a:p>
@@ -2325,7 +2325,7 @@
           <a:p>
             <a:fld id="{3881C039-66A3-4640-815B-3B5A8B7D868D}" type="datetimeFigureOut">
               <a:rPr lang="en-US" smtClean="0"/>
-              <a:t>2/14/2023</a:t>
+              <a:t>10/2/2025</a:t>
             </a:fld>
             <a:endParaRPr lang="en-US"/>
           </a:p>
@@ -2438,7 +2438,7 @@
           <a:p>
             <a:fld id="{3881C039-66A3-4640-815B-3B5A8B7D868D}" type="datetimeFigureOut">
               <a:rPr lang="en-US" smtClean="0"/>
-              <a:t>2/14/2023</a:t>
+              <a:t>10/2/2025</a:t>
             </a:fld>
             <a:endParaRPr lang="en-US"/>
           </a:p>
@@ -2749,7 +2749,7 @@
           <a:p>
             <a:fld id="{3881C039-66A3-4640-815B-3B5A8B7D868D}" type="datetimeFigureOut">
               <a:rPr lang="en-US" smtClean="0"/>
-              <a:t>2/14/2023</a:t>
+              <a:t>10/2/2025</a:t>
             </a:fld>
             <a:endParaRPr lang="en-US"/>
           </a:p>
@@ -3037,7 +3037,7 @@
           <a:p>
             <a:fld id="{3881C039-66A3-4640-815B-3B5A8B7D868D}" type="datetimeFigureOut">
               <a:rPr lang="en-US" smtClean="0"/>
-              <a:t>2/14/2023</a:t>
+              <a:t>10/2/2025</a:t>
             </a:fld>
             <a:endParaRPr lang="en-US"/>
           </a:p>
@@ -3281,7 +3281,7 @@
           <a:p>
             <a:fld id="{3881C039-66A3-4640-815B-3B5A8B7D868D}" type="datetimeFigureOut">
               <a:rPr lang="en-US" smtClean="0"/>
-              <a:t>2/14/2023</a:t>
+              <a:t>10/2/2025</a:t>
             </a:fld>
             <a:endParaRPr lang="en-US"/>
           </a:p>
@@ -17411,8 +17411,8 @@
           </p:sp>
         </mc:Fallback>
       </mc:AlternateContent>
-      <mc:AlternateContent xmlns:mc="http://schemas.openxmlformats.org/markup-compatibility/2006" xmlns:a14="http://schemas.microsoft.com/office/drawing/2010/main">
-        <mc:Choice Requires="a14">
+      <mc:AlternateContent xmlns:mc="http://schemas.openxmlformats.org/markup-compatibility/2006">
+        <mc:Choice xmlns:a14="http://schemas.microsoft.com/office/drawing/2010/main" Requires="a14">
           <p:sp>
             <p:nvSpPr>
               <p:cNvPr id="12" name="TextBox 11">
@@ -17455,7 +17455,7 @@
                           </a:solidFill>
                           <a:latin typeface="Cambria Math" panose="02040503050406030204" pitchFamily="18" charset="0"/>
                         </a:rPr>
-                        <m:t>𝑉𝐴𝑅</m:t>
+                        <m:t>𝑆𝐷</m:t>
                       </m:r>
                       <m:d>
                         <m:dPr>
@@ -17491,40 +17491,15 @@
                         </a:rPr>
                         <m:t>=</m:t>
                       </m:r>
-                      <m:sSup>
-                        <m:sSupPr>
-                          <m:ctrlPr>
-                            <a:rPr lang="en-US" sz="2400" b="0" i="1" smtClean="0">
-                              <a:solidFill>
-                                <a:schemeClr val="bg1"/>
-                              </a:solidFill>
-                              <a:latin typeface="Cambria Math" panose="02040503050406030204" pitchFamily="18" charset="0"/>
-                            </a:rPr>
-                          </m:ctrlPr>
-                        </m:sSupPr>
-                        <m:e>
-                          <m:r>
-                            <a:rPr lang="en-US" sz="2400" b="0" i="1" smtClean="0">
-                              <a:solidFill>
-                                <a:schemeClr val="bg1"/>
-                              </a:solidFill>
-                              <a:latin typeface="Cambria Math" panose="02040503050406030204" pitchFamily="18" charset="0"/>
-                            </a:rPr>
-                            <m:t>𝜎</m:t>
-                          </m:r>
-                        </m:e>
-                        <m:sup>
-                          <m:r>
-                            <a:rPr lang="en-US" sz="2400" b="0" i="1" smtClean="0">
-                              <a:solidFill>
-                                <a:schemeClr val="bg1"/>
-                              </a:solidFill>
-                              <a:latin typeface="Cambria Math" panose="02040503050406030204" pitchFamily="18" charset="0"/>
-                            </a:rPr>
-                            <m:t>2</m:t>
-                          </m:r>
-                        </m:sup>
-                      </m:sSup>
+                      <m:r>
+                        <a:rPr lang="en-US" sz="2400" b="0" i="1" smtClean="0">
+                          <a:solidFill>
+                            <a:schemeClr val="bg1"/>
+                          </a:solidFill>
+                          <a:latin typeface="Cambria Math" panose="02040503050406030204" pitchFamily="18" charset="0"/>
+                        </a:rPr>
+                        <m:t>𝜎</m:t>
+                      </m:r>
                       <m:r>
                         <a:rPr lang="en-US" sz="2400" b="0" i="1" smtClean="0">
                           <a:solidFill>
@@ -17637,7 +17612,7 @@
             </p:txBody>
           </p:sp>
         </mc:Choice>
-        <mc:Fallback xmlns="">
+        <mc:Fallback>
           <p:sp>
             <p:nvSpPr>
               <p:cNvPr id="12" name="TextBox 11">
